--- a/presentations/presentation_13_Практическая_работа_28_Работа_с_базами_данных_Spring_и_JPA.pptx
+++ b/presentations/presentation_13_Практическая_работа_28_Работа_с_базами_данных_Spring_и_JPA.pptx
@@ -3170,24 +3170,17 @@
       <p:grpSpPr/>
       <p:sp>
         <p:nvSpPr>
-          <p:cNvPr id="2" name="TextBox 1"/>
-          <p:cNvSpPr txBox="1"/>
-          <p:nvPr/>
-        </p:nvSpPr>
-        <p:spPr>
-          <a:xfrm>
-            <a:off x="457200" y="457200"/>
-            <a:ext cx="8229600" cy="914400"/>
-          </a:xfrm>
-          <a:prstGeom prst="rect">
-            <a:avLst/>
-          </a:prstGeom>
-          <a:noFill/>
-        </p:spPr>
-        <p:txBody>
-          <a:bodyPr wrap="none">
-            <a:spAutoFit/>
-          </a:bodyPr>
+          <p:cNvPr id="2" name="Title 1"/>
+          <p:cNvSpPr>
+            <a:spLocks noGrp="1"/>
+          </p:cNvSpPr>
+          <p:nvPr>
+            <p:ph type="title"/>
+          </p:nvPr>
+        </p:nvSpPr>
+        <p:spPr/>
+        <p:txBody>
+          <a:bodyPr/>
           <a:lstStyle/>
           <a:p>
             <a:pPr>
@@ -3206,27 +3199,21 @@
       </p:sp>
       <p:sp>
         <p:nvSpPr>
-          <p:cNvPr id="3" name="TextBox 2"/>
-          <p:cNvSpPr txBox="1"/>
-          <p:nvPr/>
-        </p:nvSpPr>
-        <p:spPr>
-          <a:xfrm>
-            <a:off x="457200" y="1371600"/>
-            <a:ext cx="8229600" cy="5029200"/>
-          </a:xfrm>
-          <a:prstGeom prst="rect">
-            <a:avLst/>
-          </a:prstGeom>
-          <a:noFill/>
-        </p:spPr>
-        <p:txBody>
-          <a:bodyPr wrap="none">
-            <a:spAutoFit/>
-          </a:bodyPr>
+          <p:cNvPr id="3" name="Content Placeholder 2"/>
+          <p:cNvSpPr>
+            <a:spLocks noGrp="1"/>
+          </p:cNvSpPr>
+          <p:nvPr>
+            <p:ph idx="1"/>
+          </p:nvPr>
+        </p:nvSpPr>
+        <p:spPr/>
+        <p:txBody>
+          <a:bodyPr/>
           <a:lstStyle/>
           <a:p>
             <a:pPr>
+              <a:buNone/>
               <a:defRPr sz="1400" b="1">
                 <a:solidFill>
                   <a:srgbClr val="444444"/>
@@ -3240,6 +3227,7 @@
           </a:p>
           <a:p>
             <a:pPr>
+              <a:buNone/>
               <a:defRPr sz="1400" b="1">
                 <a:solidFill>
                   <a:srgbClr val="444444"/>
@@ -3253,6 +3241,7 @@
           </a:p>
           <a:p>
             <a:pPr>
+              <a:buNone/>
               <a:defRPr sz="1400">
                 <a:solidFill>
                   <a:srgbClr val="444444"/>
@@ -3266,6 +3255,7 @@
           </a:p>
           <a:p>
             <a:pPr>
+              <a:buNone/>
               <a:defRPr sz="1400">
                 <a:solidFill>
                   <a:srgbClr val="444444"/>
@@ -3279,6 +3269,7 @@
           </a:p>
           <a:p>
             <a:pPr>
+              <a:buNone/>
               <a:defRPr sz="1400">
                 <a:solidFill>
                   <a:srgbClr val="444444"/>
@@ -3312,24 +3303,17 @@
       <p:grpSpPr/>
       <p:sp>
         <p:nvSpPr>
-          <p:cNvPr id="2" name="TextBox 1"/>
-          <p:cNvSpPr txBox="1"/>
-          <p:nvPr/>
-        </p:nvSpPr>
-        <p:spPr>
-          <a:xfrm>
-            <a:off x="457200" y="457200"/>
-            <a:ext cx="8229600" cy="914400"/>
-          </a:xfrm>
-          <a:prstGeom prst="rect">
-            <a:avLst/>
-          </a:prstGeom>
-          <a:noFill/>
-        </p:spPr>
-        <p:txBody>
-          <a:bodyPr wrap="none">
-            <a:spAutoFit/>
-          </a:bodyPr>
+          <p:cNvPr id="2" name="Title 1"/>
+          <p:cNvSpPr>
+            <a:spLocks noGrp="1"/>
+          </p:cNvSpPr>
+          <p:nvPr>
+            <p:ph type="title"/>
+          </p:nvPr>
+        </p:nvSpPr>
+        <p:spPr/>
+        <p:txBody>
+          <a:bodyPr/>
           <a:lstStyle/>
           <a:p>
             <a:pPr>
@@ -3348,27 +3332,21 @@
       </p:sp>
       <p:sp>
         <p:nvSpPr>
-          <p:cNvPr id="3" name="TextBox 2"/>
-          <p:cNvSpPr txBox="1"/>
-          <p:nvPr/>
-        </p:nvSpPr>
-        <p:spPr>
-          <a:xfrm>
-            <a:off x="457200" y="1371600"/>
-            <a:ext cx="8229600" cy="5029200"/>
-          </a:xfrm>
-          <a:prstGeom prst="rect">
-            <a:avLst/>
-          </a:prstGeom>
-          <a:noFill/>
-        </p:spPr>
-        <p:txBody>
-          <a:bodyPr wrap="none">
-            <a:spAutoFit/>
-          </a:bodyPr>
+          <p:cNvPr id="3" name="Content Placeholder 2"/>
+          <p:cNvSpPr>
+            <a:spLocks noGrp="1"/>
+          </p:cNvSpPr>
+          <p:nvPr>
+            <p:ph idx="1"/>
+          </p:nvPr>
+        </p:nvSpPr>
+        <p:spPr/>
+        <p:txBody>
+          <a:bodyPr/>
           <a:lstStyle/>
           <a:p>
             <a:pPr>
+              <a:buNone/>
               <a:defRPr sz="1400">
                 <a:solidFill>
                   <a:srgbClr val="444444"/>
@@ -3382,6 +3360,7 @@
           </a:p>
           <a:p>
             <a:pPr>
+              <a:buNone/>
               <a:defRPr sz="1400">
                 <a:solidFill>
                   <a:srgbClr val="444444"/>
@@ -3395,6 +3374,7 @@
           </a:p>
           <a:p>
             <a:pPr>
+              <a:buNone/>
               <a:defRPr sz="1400">
                 <a:solidFill>
                   <a:srgbClr val="444444"/>
@@ -3408,6 +3388,7 @@
           </a:p>
           <a:p>
             <a:pPr>
+              <a:buNone/>
               <a:defRPr sz="1400">
                 <a:solidFill>
                   <a:srgbClr val="444444"/>
@@ -3421,6 +3402,7 @@
           </a:p>
           <a:p>
             <a:pPr>
+              <a:buNone/>
               <a:defRPr sz="1400">
                 <a:solidFill>
                   <a:srgbClr val="444444"/>
@@ -3434,6 +3416,7 @@
           </a:p>
           <a:p>
             <a:pPr>
+              <a:buNone/>
               <a:defRPr sz="1400">
                 <a:solidFill>
                   <a:srgbClr val="444444"/>
@@ -3447,6 +3430,7 @@
           </a:p>
           <a:p>
             <a:pPr>
+              <a:buNone/>
               <a:defRPr sz="1400">
                 <a:solidFill>
                   <a:srgbClr val="444444"/>
@@ -3480,24 +3464,17 @@
       <p:grpSpPr/>
       <p:sp>
         <p:nvSpPr>
-          <p:cNvPr id="2" name="TextBox 1"/>
-          <p:cNvSpPr txBox="1"/>
-          <p:nvPr/>
-        </p:nvSpPr>
-        <p:spPr>
-          <a:xfrm>
-            <a:off x="457200" y="457200"/>
-            <a:ext cx="8229600" cy="914400"/>
-          </a:xfrm>
-          <a:prstGeom prst="rect">
-            <a:avLst/>
-          </a:prstGeom>
-          <a:noFill/>
-        </p:spPr>
-        <p:txBody>
-          <a:bodyPr wrap="none">
-            <a:spAutoFit/>
-          </a:bodyPr>
+          <p:cNvPr id="2" name="Title 1"/>
+          <p:cNvSpPr>
+            <a:spLocks noGrp="1"/>
+          </p:cNvSpPr>
+          <p:nvPr>
+            <p:ph type="title"/>
+          </p:nvPr>
+        </p:nvSpPr>
+        <p:spPr/>
+        <p:txBody>
+          <a:bodyPr/>
           <a:lstStyle/>
           <a:p>
             <a:pPr>
@@ -3516,27 +3493,21 @@
       </p:sp>
       <p:sp>
         <p:nvSpPr>
-          <p:cNvPr id="3" name="TextBox 2"/>
-          <p:cNvSpPr txBox="1"/>
-          <p:nvPr/>
-        </p:nvSpPr>
-        <p:spPr>
-          <a:xfrm>
-            <a:off x="457200" y="1371600"/>
-            <a:ext cx="8229600" cy="5029200"/>
-          </a:xfrm>
-          <a:prstGeom prst="rect">
-            <a:avLst/>
-          </a:prstGeom>
-          <a:noFill/>
-        </p:spPr>
-        <p:txBody>
-          <a:bodyPr wrap="none">
-            <a:spAutoFit/>
-          </a:bodyPr>
+          <p:cNvPr id="3" name="Content Placeholder 2"/>
+          <p:cNvSpPr>
+            <a:spLocks noGrp="1"/>
+          </p:cNvSpPr>
+          <p:nvPr>
+            <p:ph idx="1"/>
+          </p:nvPr>
+        </p:nvSpPr>
+        <p:spPr/>
+        <p:txBody>
+          <a:bodyPr/>
           <a:lstStyle/>
           <a:p>
             <a:pPr>
+              <a:buNone/>
               <a:defRPr sz="1400" b="1">
                 <a:solidFill>
                   <a:srgbClr val="444444"/>
@@ -3550,6 +3521,7 @@
           </a:p>
           <a:p>
             <a:pPr>
+              <a:buNone/>
               <a:defRPr sz="1400" b="1">
                 <a:solidFill>
                   <a:srgbClr val="444444"/>
@@ -3563,6 +3535,7 @@
           </a:p>
           <a:p>
             <a:pPr>
+              <a:buNone/>
               <a:defRPr sz="1400" b="1">
                 <a:solidFill>
                   <a:srgbClr val="444444"/>
@@ -3576,6 +3549,7 @@
           </a:p>
           <a:p>
             <a:pPr>
+              <a:buNone/>
               <a:defRPr sz="1400" b="1">
                 <a:solidFill>
                   <a:srgbClr val="444444"/>
@@ -3589,6 +3563,7 @@
           </a:p>
           <a:p>
             <a:pPr>
+              <a:buNone/>
               <a:defRPr sz="1400" b="1">
                 <a:solidFill>
                   <a:srgbClr val="444444"/>
@@ -3602,6 +3577,7 @@
           </a:p>
           <a:p>
             <a:pPr>
+              <a:buNone/>
               <a:defRPr sz="1400" b="1">
                 <a:solidFill>
                   <a:srgbClr val="444444"/>
@@ -3615,6 +3591,7 @@
           </a:p>
           <a:p>
             <a:pPr>
+              <a:buNone/>
               <a:defRPr sz="1400" b="1">
                 <a:solidFill>
                   <a:srgbClr val="444444"/>
@@ -3628,6 +3605,7 @@
           </a:p>
           <a:p>
             <a:pPr>
+              <a:buNone/>
               <a:defRPr sz="1400" b="1">
                 <a:solidFill>
                   <a:srgbClr val="444444"/>
@@ -3641,6 +3619,7 @@
           </a:p>
           <a:p>
             <a:pPr>
+              <a:buNone/>
               <a:defRPr sz="1400" b="1">
                 <a:solidFill>
                   <a:srgbClr val="444444"/>
@@ -3654,6 +3633,7 @@
           </a:p>
           <a:p>
             <a:pPr>
+              <a:buNone/>
               <a:defRPr sz="1400" b="1">
                 <a:solidFill>
                   <a:srgbClr val="444444"/>
@@ -3667,6 +3647,7 @@
           </a:p>
           <a:p>
             <a:pPr>
+              <a:buNone/>
               <a:defRPr sz="1400" b="1">
                 <a:solidFill>
                   <a:srgbClr val="444444"/>
@@ -3680,6 +3661,7 @@
           </a:p>
           <a:p>
             <a:pPr>
+              <a:buNone/>
               <a:defRPr sz="1400" b="1">
                 <a:solidFill>
                   <a:srgbClr val="444444"/>
@@ -3713,24 +3695,17 @@
       <p:grpSpPr/>
       <p:sp>
         <p:nvSpPr>
-          <p:cNvPr id="2" name="TextBox 1"/>
-          <p:cNvSpPr txBox="1"/>
-          <p:nvPr/>
-        </p:nvSpPr>
-        <p:spPr>
-          <a:xfrm>
-            <a:off x="457200" y="457200"/>
-            <a:ext cx="8229600" cy="914400"/>
-          </a:xfrm>
-          <a:prstGeom prst="rect">
-            <a:avLst/>
-          </a:prstGeom>
-          <a:noFill/>
-        </p:spPr>
-        <p:txBody>
-          <a:bodyPr wrap="none">
-            <a:spAutoFit/>
-          </a:bodyPr>
+          <p:cNvPr id="2" name="Title 1"/>
+          <p:cNvSpPr>
+            <a:spLocks noGrp="1"/>
+          </p:cNvSpPr>
+          <p:nvPr>
+            <p:ph type="title"/>
+          </p:nvPr>
+        </p:nvSpPr>
+        <p:spPr/>
+        <p:txBody>
+          <a:bodyPr/>
           <a:lstStyle/>
           <a:p>
             <a:pPr>
@@ -3749,24 +3724,17 @@
       </p:sp>
       <p:sp>
         <p:nvSpPr>
-          <p:cNvPr id="3" name="TextBox 2"/>
-          <p:cNvSpPr txBox="1"/>
-          <p:nvPr/>
-        </p:nvSpPr>
-        <p:spPr>
-          <a:xfrm>
-            <a:off x="457200" y="1371600"/>
-            <a:ext cx="8229600" cy="5029200"/>
-          </a:xfrm>
-          <a:prstGeom prst="rect">
-            <a:avLst/>
-          </a:prstGeom>
-          <a:noFill/>
-        </p:spPr>
-        <p:txBody>
-          <a:bodyPr wrap="none">
-            <a:spAutoFit/>
-          </a:bodyPr>
+          <p:cNvPr id="3" name="Content Placeholder 2"/>
+          <p:cNvSpPr>
+            <a:spLocks noGrp="1"/>
+          </p:cNvSpPr>
+          <p:nvPr>
+            <p:ph idx="1"/>
+          </p:nvPr>
+        </p:nvSpPr>
+        <p:spPr/>
+        <p:txBody>
+          <a:bodyPr/>
           <a:lstStyle/>
           <a:p/>
           <a:p>
